--- a/Figures/GlobalKinDiagram.pptx
+++ b/Figures/GlobalKinDiagram.pptx
@@ -3095,1358 +3095,1373 @@
           <a:chExt cx="0" cy="0"/>
         </a:xfrm>
       </p:grpSpPr>
-      <p:sp>
-        <p:nvSpPr>
-          <p:cNvPr id="10" name="Rectangle 9"/>
-          <p:cNvSpPr/>
+      <p:grpSp>
+        <p:nvGrpSpPr>
+          <p:cNvPr id="60" name="Group 59"/>
+          <p:cNvGrpSpPr/>
           <p:nvPr/>
-        </p:nvSpPr>
-        <p:spPr>
+        </p:nvGrpSpPr>
+        <p:grpSpPr>
           <a:xfrm>
-            <a:off x="1741926" y="836909"/>
-            <a:ext cx="2504313" cy="1778000"/>
+            <a:off x="145336" y="836909"/>
+            <a:ext cx="6710031" cy="5691301"/>
+            <a:chOff x="145336" y="836909"/>
+            <a:chExt cx="6710031" cy="5691301"/>
           </a:xfrm>
-          <a:prstGeom prst="rect">
-            <a:avLst/>
-          </a:prstGeom>
-          <a:solidFill>
-            <a:srgbClr val="CCC1DA"/>
-          </a:solidFill>
-          <a:ln w="38100" cmpd="sng">
+        </p:grpSpPr>
+        <p:sp>
+          <p:nvSpPr>
+            <p:cNvPr id="10" name="Rectangle 9"/>
+            <p:cNvSpPr/>
+            <p:nvPr/>
+          </p:nvSpPr>
+          <p:spPr>
+            <a:xfrm>
+              <a:off x="1741926" y="836909"/>
+              <a:ext cx="2504313" cy="1778000"/>
+            </a:xfrm>
+            <a:prstGeom prst="rect">
+              <a:avLst/>
+            </a:prstGeom>
             <a:solidFill>
-              <a:srgbClr val="604A7B"/>
+              <a:srgbClr val="CCC1DA"/>
             </a:solidFill>
-          </a:ln>
-          <a:effectLst/>
-        </p:spPr>
-        <p:style>
-          <a:lnRef idx="1">
-            <a:schemeClr val="accent1"/>
-          </a:lnRef>
-          <a:fillRef idx="3">
-            <a:schemeClr val="accent1"/>
-          </a:fillRef>
-          <a:effectRef idx="2">
-            <a:schemeClr val="accent1"/>
-          </a:effectRef>
-          <a:fontRef idx="minor">
-            <a:schemeClr val="lt1"/>
-          </a:fontRef>
-        </p:style>
-        <p:txBody>
-          <a:bodyPr rtlCol="0" anchor="ctr"/>
-          <a:lstStyle/>
-          <a:p>
-            <a:pPr algn="ctr"/>
-            <a:endParaRPr lang="en-US"/>
-          </a:p>
-        </p:txBody>
-      </p:sp>
-      <p:sp>
-        <p:nvSpPr>
-          <p:cNvPr id="7" name="TextBox 6"/>
-          <p:cNvSpPr txBox="1"/>
-          <p:nvPr/>
-        </p:nvSpPr>
-        <p:spPr>
-          <a:xfrm>
-            <a:off x="1707575" y="836909"/>
-            <a:ext cx="2573015" cy="276999"/>
-          </a:xfrm>
-          <a:prstGeom prst="rect">
-            <a:avLst/>
-          </a:prstGeom>
-          <a:noFill/>
-        </p:spPr>
-        <p:txBody>
-          <a:bodyPr wrap="none" rtlCol="0">
-            <a:spAutoFit/>
-          </a:bodyPr>
-          <a:lstStyle/>
-          <a:p>
-            <a:pPr algn="ctr"/>
-            <a:r>
-              <a:rPr lang="en-US" sz="1200" b="1" i="1" dirty="0" smtClean="0">
+            <a:ln w="38100" cmpd="sng">
+              <a:solidFill>
+                <a:srgbClr val="604A7B"/>
+              </a:solidFill>
+            </a:ln>
+            <a:effectLst/>
+          </p:spPr>
+          <p:style>
+            <a:lnRef idx="1">
+              <a:schemeClr val="accent1"/>
+            </a:lnRef>
+            <a:fillRef idx="3">
+              <a:schemeClr val="accent1"/>
+            </a:fillRef>
+            <a:effectRef idx="2">
+              <a:schemeClr val="accent1"/>
+            </a:effectRef>
+            <a:fontRef idx="minor">
+              <a:schemeClr val="lt1"/>
+            </a:fontRef>
+          </p:style>
+          <p:txBody>
+            <a:bodyPr rtlCol="0" anchor="ctr"/>
+            <a:lstStyle/>
+            <a:p>
+              <a:pPr algn="ctr"/>
+              <a:endParaRPr lang="en-US"/>
+            </a:p>
+          </p:txBody>
+        </p:sp>
+        <p:sp>
+          <p:nvSpPr>
+            <p:cNvPr id="7" name="TextBox 6"/>
+            <p:cNvSpPr txBox="1"/>
+            <p:nvPr/>
+          </p:nvSpPr>
+          <p:spPr>
+            <a:xfrm>
+              <a:off x="1707575" y="836909"/>
+              <a:ext cx="2573015" cy="276999"/>
+            </a:xfrm>
+            <a:prstGeom prst="rect">
+              <a:avLst/>
+            </a:prstGeom>
+            <a:noFill/>
+          </p:spPr>
+          <p:txBody>
+            <a:bodyPr wrap="none" rtlCol="0">
+              <a:spAutoFit/>
+            </a:bodyPr>
+            <a:lstStyle/>
+            <a:p>
+              <a:pPr algn="ctr"/>
+              <a:r>
+                <a:rPr lang="en-US" sz="1200" b="1" i="1" dirty="0" smtClean="0">
+                  <a:latin typeface="Candara"/>
+                  <a:cs typeface="Candara"/>
+                </a:rPr>
+                <a:t>CHEMISTRY &amp; TRANSPORT MODULE</a:t>
+              </a:r>
+              <a:endParaRPr lang="en-US" sz="1200" b="1" i="1" dirty="0">
                 <a:latin typeface="Candara"/>
                 <a:cs typeface="Candara"/>
-              </a:rPr>
-              <a:t>CHEMISTRY &amp; TRANSPORT MODULE</a:t>
-            </a:r>
-            <a:endParaRPr lang="en-US" sz="1200" b="1" i="1" dirty="0">
-              <a:latin typeface="Candara"/>
-              <a:cs typeface="Candara"/>
-            </a:endParaRPr>
-          </a:p>
-        </p:txBody>
-      </p:sp>
-      <p:sp>
-        <p:nvSpPr>
-          <p:cNvPr id="11" name="Rectangle 10"/>
-          <p:cNvSpPr/>
-          <p:nvPr/>
-        </p:nvSpPr>
-        <p:spPr>
-          <a:xfrm>
-            <a:off x="509533" y="3270622"/>
-            <a:ext cx="2504313" cy="1778000"/>
-          </a:xfrm>
-          <a:prstGeom prst="rect">
-            <a:avLst/>
-          </a:prstGeom>
-          <a:solidFill>
-            <a:schemeClr val="accent3">
-              <a:lumMod val="40000"/>
-              <a:lumOff val="60000"/>
-            </a:schemeClr>
-          </a:solidFill>
-          <a:ln w="38100" cmpd="sng">
+              </a:endParaRPr>
+            </a:p>
+          </p:txBody>
+        </p:sp>
+        <p:sp>
+          <p:nvSpPr>
+            <p:cNvPr id="11" name="Rectangle 10"/>
+            <p:cNvSpPr/>
+            <p:nvPr/>
+          </p:nvSpPr>
+          <p:spPr>
+            <a:xfrm>
+              <a:off x="509533" y="3270622"/>
+              <a:ext cx="2504313" cy="1778000"/>
+            </a:xfrm>
+            <a:prstGeom prst="rect">
+              <a:avLst/>
+            </a:prstGeom>
             <a:solidFill>
               <a:schemeClr val="accent3">
-                <a:lumMod val="75000"/>
+                <a:lumMod val="40000"/>
+                <a:lumOff val="60000"/>
               </a:schemeClr>
             </a:solidFill>
-          </a:ln>
-          <a:effectLst/>
-        </p:spPr>
-        <p:style>
-          <a:lnRef idx="1">
-            <a:schemeClr val="accent1"/>
-          </a:lnRef>
-          <a:fillRef idx="3">
-            <a:schemeClr val="accent1"/>
-          </a:fillRef>
-          <a:effectRef idx="2">
-            <a:schemeClr val="accent1"/>
-          </a:effectRef>
-          <a:fontRef idx="minor">
-            <a:schemeClr val="lt1"/>
-          </a:fontRef>
-        </p:style>
-        <p:txBody>
-          <a:bodyPr rtlCol="0" anchor="ctr"/>
-          <a:lstStyle/>
-          <a:p>
-            <a:pPr algn="ctr"/>
-            <a:endParaRPr lang="en-US"/>
-          </a:p>
-        </p:txBody>
-      </p:sp>
-      <p:sp>
-        <p:nvSpPr>
-          <p:cNvPr id="12" name="TextBox 11"/>
-          <p:cNvSpPr txBox="1"/>
-          <p:nvPr/>
-        </p:nvSpPr>
-        <p:spPr>
-          <a:xfrm>
-            <a:off x="961568" y="3262821"/>
-            <a:ext cx="1600243" cy="276999"/>
-          </a:xfrm>
-          <a:prstGeom prst="rect">
-            <a:avLst/>
-          </a:prstGeom>
-          <a:noFill/>
-        </p:spPr>
-        <p:txBody>
-          <a:bodyPr wrap="none" rtlCol="0">
-            <a:spAutoFit/>
-          </a:bodyPr>
-          <a:lstStyle/>
-          <a:p>
-            <a:pPr algn="ctr"/>
-            <a:r>
-              <a:rPr lang="en-US" sz="1200" b="1" i="1" dirty="0" smtClean="0">
+            <a:ln w="38100" cmpd="sng">
+              <a:solidFill>
+                <a:schemeClr val="accent3">
+                  <a:lumMod val="75000"/>
+                </a:schemeClr>
+              </a:solidFill>
+            </a:ln>
+            <a:effectLst/>
+          </p:spPr>
+          <p:style>
+            <a:lnRef idx="1">
+              <a:schemeClr val="accent1"/>
+            </a:lnRef>
+            <a:fillRef idx="3">
+              <a:schemeClr val="accent1"/>
+            </a:fillRef>
+            <a:effectRef idx="2">
+              <a:schemeClr val="accent1"/>
+            </a:effectRef>
+            <a:fontRef idx="minor">
+              <a:schemeClr val="lt1"/>
+            </a:fontRef>
+          </p:style>
+          <p:txBody>
+            <a:bodyPr rtlCol="0" anchor="ctr"/>
+            <a:lstStyle/>
+            <a:p>
+              <a:pPr algn="ctr"/>
+              <a:endParaRPr lang="en-US"/>
+            </a:p>
+          </p:txBody>
+        </p:sp>
+        <p:sp>
+          <p:nvSpPr>
+            <p:cNvPr id="12" name="TextBox 11"/>
+            <p:cNvSpPr txBox="1"/>
+            <p:nvPr/>
+          </p:nvSpPr>
+          <p:spPr>
+            <a:xfrm>
+              <a:off x="961568" y="3262821"/>
+              <a:ext cx="1600243" cy="276999"/>
+            </a:xfrm>
+            <a:prstGeom prst="rect">
+              <a:avLst/>
+            </a:prstGeom>
+            <a:noFill/>
+          </p:spPr>
+          <p:txBody>
+            <a:bodyPr wrap="none" rtlCol="0">
+              <a:spAutoFit/>
+            </a:bodyPr>
+            <a:lstStyle/>
+            <a:p>
+              <a:pPr algn="ctr"/>
+              <a:r>
+                <a:rPr lang="en-US" sz="1200" b="1" i="1" dirty="0" smtClean="0">
+                  <a:latin typeface="Candara"/>
+                  <a:cs typeface="Candara"/>
+                </a:rPr>
+                <a:t>BOLTZMANN SOLVER</a:t>
+              </a:r>
+              <a:endParaRPr lang="en-US" sz="1200" b="1" i="1" dirty="0">
                 <a:latin typeface="Candara"/>
                 <a:cs typeface="Candara"/>
-              </a:rPr>
-              <a:t>BOLTZMANN SOLVER</a:t>
-            </a:r>
-            <a:endParaRPr lang="en-US" sz="1200" b="1" i="1" dirty="0">
-              <a:latin typeface="Candara"/>
-              <a:cs typeface="Candara"/>
-            </a:endParaRPr>
-          </a:p>
-        </p:txBody>
-      </p:sp>
-      <p:sp>
-        <p:nvSpPr>
-          <p:cNvPr id="13" name="Rectangle 12"/>
-          <p:cNvSpPr/>
-          <p:nvPr/>
-        </p:nvSpPr>
-        <p:spPr>
-          <a:xfrm>
-            <a:off x="3885585" y="3246483"/>
-            <a:ext cx="2504313" cy="1778000"/>
-          </a:xfrm>
-          <a:prstGeom prst="rect">
-            <a:avLst/>
-          </a:prstGeom>
-          <a:solidFill>
-            <a:schemeClr val="accent5">
-              <a:lumMod val="40000"/>
-              <a:lumOff val="60000"/>
-            </a:schemeClr>
-          </a:solidFill>
-          <a:ln w="38100" cmpd="sng">
+              </a:endParaRPr>
+            </a:p>
+          </p:txBody>
+        </p:sp>
+        <p:sp>
+          <p:nvSpPr>
+            <p:cNvPr id="13" name="Rectangle 12"/>
+            <p:cNvSpPr/>
+            <p:nvPr/>
+          </p:nvSpPr>
+          <p:spPr>
+            <a:xfrm>
+              <a:off x="3885585" y="3246483"/>
+              <a:ext cx="2504313" cy="1778000"/>
+            </a:xfrm>
+            <a:prstGeom prst="rect">
+              <a:avLst/>
+            </a:prstGeom>
             <a:solidFill>
               <a:schemeClr val="accent5">
-                <a:lumMod val="75000"/>
+                <a:lumMod val="40000"/>
+                <a:lumOff val="60000"/>
               </a:schemeClr>
             </a:solidFill>
-          </a:ln>
-          <a:effectLst/>
-        </p:spPr>
-        <p:style>
-          <a:lnRef idx="1">
-            <a:schemeClr val="accent1"/>
-          </a:lnRef>
-          <a:fillRef idx="3">
-            <a:schemeClr val="accent1"/>
-          </a:fillRef>
-          <a:effectRef idx="2">
-            <a:schemeClr val="accent1"/>
-          </a:effectRef>
-          <a:fontRef idx="minor">
-            <a:schemeClr val="lt1"/>
-          </a:fontRef>
-        </p:style>
-        <p:txBody>
-          <a:bodyPr rtlCol="0" anchor="ctr"/>
-          <a:lstStyle/>
-          <a:p>
-            <a:pPr algn="ctr"/>
-            <a:endParaRPr lang="en-US"/>
-          </a:p>
-        </p:txBody>
-      </p:sp>
-      <p:sp>
-        <p:nvSpPr>
-          <p:cNvPr id="14" name="TextBox 13"/>
-          <p:cNvSpPr txBox="1"/>
-          <p:nvPr/>
-        </p:nvSpPr>
-        <p:spPr>
-          <a:xfrm>
-            <a:off x="4625371" y="3246483"/>
-            <a:ext cx="1024740" cy="276999"/>
-          </a:xfrm>
-          <a:prstGeom prst="rect">
-            <a:avLst/>
-          </a:prstGeom>
-          <a:noFill/>
-        </p:spPr>
-        <p:txBody>
-          <a:bodyPr wrap="none" rtlCol="0">
-            <a:spAutoFit/>
-          </a:bodyPr>
-          <a:lstStyle/>
-          <a:p>
-            <a:pPr algn="ctr"/>
-            <a:r>
-              <a:rPr lang="en-US" sz="1200" b="1" i="1" dirty="0" smtClean="0">
+            <a:ln w="38100" cmpd="sng">
+              <a:solidFill>
+                <a:schemeClr val="accent5">
+                  <a:lumMod val="75000"/>
+                </a:schemeClr>
+              </a:solidFill>
+            </a:ln>
+            <a:effectLst/>
+          </p:spPr>
+          <p:style>
+            <a:lnRef idx="1">
+              <a:schemeClr val="accent1"/>
+            </a:lnRef>
+            <a:fillRef idx="3">
+              <a:schemeClr val="accent1"/>
+            </a:fillRef>
+            <a:effectRef idx="2">
+              <a:schemeClr val="accent1"/>
+            </a:effectRef>
+            <a:fontRef idx="minor">
+              <a:schemeClr val="lt1"/>
+            </a:fontRef>
+          </p:style>
+          <p:txBody>
+            <a:bodyPr rtlCol="0" anchor="ctr"/>
+            <a:lstStyle/>
+            <a:p>
+              <a:pPr algn="ctr"/>
+              <a:endParaRPr lang="en-US"/>
+            </a:p>
+          </p:txBody>
+        </p:sp>
+        <p:sp>
+          <p:nvSpPr>
+            <p:cNvPr id="14" name="TextBox 13"/>
+            <p:cNvSpPr txBox="1"/>
+            <p:nvPr/>
+          </p:nvSpPr>
+          <p:spPr>
+            <a:xfrm>
+              <a:off x="4625371" y="3246483"/>
+              <a:ext cx="1024740" cy="276999"/>
+            </a:xfrm>
+            <a:prstGeom prst="rect">
+              <a:avLst/>
+            </a:prstGeom>
+            <a:noFill/>
+          </p:spPr>
+          <p:txBody>
+            <a:bodyPr wrap="none" rtlCol="0">
+              <a:spAutoFit/>
+            </a:bodyPr>
+            <a:lstStyle/>
+            <a:p>
+              <a:pPr algn="ctr"/>
+              <a:r>
+                <a:rPr lang="en-US" sz="1200" b="1" i="1" dirty="0" smtClean="0">
+                  <a:latin typeface="Candara"/>
+                  <a:cs typeface="Candara"/>
+                </a:rPr>
+                <a:t>ODE SOLVER</a:t>
+              </a:r>
+              <a:endParaRPr lang="en-US" sz="1200" b="1" i="1" dirty="0">
                 <a:latin typeface="Candara"/>
                 <a:cs typeface="Candara"/>
-              </a:rPr>
-              <a:t>ODE SOLVER</a:t>
-            </a:r>
-            <a:endParaRPr lang="en-US" sz="1200" b="1" i="1" dirty="0">
-              <a:latin typeface="Candara"/>
-              <a:cs typeface="Candara"/>
-            </a:endParaRPr>
-          </a:p>
-        </p:txBody>
-      </p:sp>
-      <p:sp>
-        <p:nvSpPr>
-          <p:cNvPr id="15" name="TextBox 14"/>
-          <p:cNvSpPr txBox="1"/>
-          <p:nvPr/>
-        </p:nvSpPr>
-        <p:spPr>
-          <a:xfrm>
-            <a:off x="2007003" y="1147201"/>
-            <a:ext cx="1967205" cy="338554"/>
-          </a:xfrm>
-          <a:prstGeom prst="rect">
-            <a:avLst/>
-          </a:prstGeom>
-          <a:noFill/>
-        </p:spPr>
-        <p:txBody>
-          <a:bodyPr wrap="none" rtlCol="0">
-            <a:spAutoFit/>
-          </a:bodyPr>
-          <a:lstStyle/>
-          <a:p>
-            <a:r>
-              <a:rPr lang="en-US" sz="1600" dirty="0" smtClean="0"/>
-              <a:t>Species Density ODEs</a:t>
-            </a:r>
-            <a:endParaRPr lang="en-US" sz="1600" dirty="0"/>
-          </a:p>
-        </p:txBody>
-      </p:sp>
-      <p:sp>
-        <p:nvSpPr>
-          <p:cNvPr id="16" name="TextBox 15"/>
-          <p:cNvSpPr txBox="1"/>
-          <p:nvPr/>
-        </p:nvSpPr>
-        <p:spPr>
-          <a:xfrm>
-            <a:off x="1780804" y="1856109"/>
-            <a:ext cx="2427968" cy="338554"/>
-          </a:xfrm>
-          <a:prstGeom prst="rect">
-            <a:avLst/>
-          </a:prstGeom>
-          <a:noFill/>
-        </p:spPr>
-        <p:txBody>
-          <a:bodyPr wrap="none" rtlCol="0">
-            <a:spAutoFit/>
-          </a:bodyPr>
-          <a:lstStyle/>
-          <a:p>
-            <a:r>
-              <a:rPr lang="en-US" sz="1600" dirty="0" smtClean="0"/>
-              <a:t>Electron Temperature ODE</a:t>
-            </a:r>
-            <a:endParaRPr lang="en-US" sz="1600" dirty="0"/>
-          </a:p>
-        </p:txBody>
-      </p:sp>
-      <p:cxnSp>
-        <p:nvCxnSpPr>
-          <p:cNvPr id="18" name="Straight Connector 17"/>
-          <p:cNvCxnSpPr/>
-          <p:nvPr/>
-        </p:nvCxnSpPr>
-        <p:spPr>
-          <a:xfrm>
-            <a:off x="1741926" y="1113908"/>
-            <a:ext cx="2504313" cy="0"/>
-          </a:xfrm>
-          <a:prstGeom prst="line">
-            <a:avLst/>
-          </a:prstGeom>
-          <a:ln>
-            <a:solidFill>
-              <a:schemeClr val="accent4">
-                <a:lumMod val="75000"/>
-              </a:schemeClr>
-            </a:solidFill>
-          </a:ln>
-          <a:effectLst/>
-        </p:spPr>
-        <p:style>
-          <a:lnRef idx="2">
-            <a:schemeClr val="accent1"/>
-          </a:lnRef>
-          <a:fillRef idx="0">
-            <a:schemeClr val="accent1"/>
-          </a:fillRef>
-          <a:effectRef idx="1">
-            <a:schemeClr val="accent1"/>
-          </a:effectRef>
-          <a:fontRef idx="minor">
-            <a:schemeClr val="tx1"/>
-          </a:fontRef>
-        </p:style>
-      </p:cxnSp>
-      <p:cxnSp>
-        <p:nvCxnSpPr>
-          <p:cNvPr id="19" name="Straight Connector 18"/>
-          <p:cNvCxnSpPr/>
-          <p:nvPr/>
-        </p:nvCxnSpPr>
-        <p:spPr>
-          <a:xfrm>
-            <a:off x="509533" y="3539820"/>
-            <a:ext cx="2504313" cy="0"/>
-          </a:xfrm>
-          <a:prstGeom prst="line">
-            <a:avLst/>
-          </a:prstGeom>
-          <a:ln>
-            <a:solidFill>
-              <a:schemeClr val="accent3">
-                <a:lumMod val="75000"/>
-              </a:schemeClr>
-            </a:solidFill>
-          </a:ln>
-          <a:effectLst/>
-        </p:spPr>
-        <p:style>
-          <a:lnRef idx="2">
-            <a:schemeClr val="accent1"/>
-          </a:lnRef>
-          <a:fillRef idx="0">
-            <a:schemeClr val="accent1"/>
-          </a:fillRef>
-          <a:effectRef idx="1">
-            <a:schemeClr val="accent1"/>
-          </a:effectRef>
-          <a:fontRef idx="minor">
-            <a:schemeClr val="tx1"/>
-          </a:fontRef>
-        </p:style>
-      </p:cxnSp>
-      <p:cxnSp>
-        <p:nvCxnSpPr>
-          <p:cNvPr id="20" name="Straight Connector 19"/>
-          <p:cNvCxnSpPr/>
-          <p:nvPr/>
-        </p:nvCxnSpPr>
-        <p:spPr>
-          <a:xfrm>
-            <a:off x="3885585" y="3523482"/>
-            <a:ext cx="2504313" cy="0"/>
-          </a:xfrm>
-          <a:prstGeom prst="line">
-            <a:avLst/>
-          </a:prstGeom>
-          <a:ln>
-            <a:solidFill>
-              <a:srgbClr val="31859C"/>
-            </a:solidFill>
-          </a:ln>
-          <a:effectLst/>
-        </p:spPr>
-        <p:style>
-          <a:lnRef idx="2">
-            <a:schemeClr val="accent1"/>
-          </a:lnRef>
-          <a:fillRef idx="0">
-            <a:schemeClr val="accent1"/>
-          </a:fillRef>
-          <a:effectRef idx="1">
-            <a:schemeClr val="accent1"/>
-          </a:effectRef>
-          <a:fontRef idx="minor">
-            <a:schemeClr val="tx1"/>
-          </a:fontRef>
-        </p:style>
-      </p:cxnSp>
-      <p:sp>
-        <p:nvSpPr>
-          <p:cNvPr id="21" name="TextBox 20"/>
-          <p:cNvSpPr txBox="1"/>
-          <p:nvPr/>
-        </p:nvSpPr>
-        <p:spPr>
-          <a:xfrm>
-            <a:off x="641063" y="3648130"/>
-            <a:ext cx="2181258" cy="584776"/>
-          </a:xfrm>
-          <a:prstGeom prst="rect">
-            <a:avLst/>
-          </a:prstGeom>
-          <a:noFill/>
-        </p:spPr>
-        <p:txBody>
-          <a:bodyPr wrap="square" rtlCol="0">
-            <a:spAutoFit/>
-          </a:bodyPr>
-          <a:lstStyle/>
-          <a:p>
-            <a:pPr algn="ctr"/>
-            <a:r>
-              <a:rPr lang="en-US" sz="1600" dirty="0" smtClean="0"/>
-              <a:t>Electron Reaction Rate Coefficients</a:t>
-            </a:r>
-            <a:endParaRPr lang="en-US" sz="1600" dirty="0"/>
-          </a:p>
-        </p:txBody>
-      </p:sp>
-      <p:sp>
-        <p:nvSpPr>
-          <p:cNvPr id="22" name="TextBox 21"/>
-          <p:cNvSpPr txBox="1"/>
-          <p:nvPr/>
-        </p:nvSpPr>
-        <p:spPr>
-          <a:xfrm>
-            <a:off x="788394" y="4224025"/>
-            <a:ext cx="1954381" cy="338554"/>
-          </a:xfrm>
-          <a:prstGeom prst="rect">
-            <a:avLst/>
-          </a:prstGeom>
-          <a:noFill/>
-        </p:spPr>
-        <p:txBody>
-          <a:bodyPr wrap="none" rtlCol="0">
-            <a:spAutoFit/>
-          </a:bodyPr>
-          <a:lstStyle/>
-          <a:p>
-            <a:pPr algn="ctr"/>
-            <a:r>
-              <a:rPr lang="en-US" sz="1600" dirty="0" smtClean="0"/>
-              <a:t>Diffusion Coefficients</a:t>
-            </a:r>
-            <a:endParaRPr lang="en-US" sz="1600" dirty="0"/>
-          </a:p>
-        </p:txBody>
-      </p:sp>
-      <p:sp>
-        <p:nvSpPr>
-          <p:cNvPr id="23" name="TextBox 22"/>
-          <p:cNvSpPr txBox="1"/>
-          <p:nvPr/>
-        </p:nvSpPr>
-        <p:spPr>
-          <a:xfrm>
-            <a:off x="1254679" y="4586517"/>
-            <a:ext cx="1014020" cy="338554"/>
-          </a:xfrm>
-          <a:prstGeom prst="rect">
-            <a:avLst/>
-          </a:prstGeom>
-          <a:noFill/>
-        </p:spPr>
-        <p:txBody>
-          <a:bodyPr wrap="none" rtlCol="0">
-            <a:spAutoFit/>
-          </a:bodyPr>
-          <a:lstStyle/>
-          <a:p>
-            <a:pPr algn="ctr"/>
-            <a:r>
-              <a:rPr lang="en-US" sz="1600" dirty="0" err="1" smtClean="0"/>
-              <a:t>Mobilities</a:t>
-            </a:r>
-            <a:endParaRPr lang="en-US" sz="1600" dirty="0"/>
-          </a:p>
-        </p:txBody>
-      </p:sp>
-      <p:sp>
-        <p:nvSpPr>
-          <p:cNvPr id="24" name="TextBox 23"/>
-          <p:cNvSpPr txBox="1"/>
-          <p:nvPr/>
-        </p:nvSpPr>
-        <p:spPr>
-          <a:xfrm>
-            <a:off x="4246239" y="3950549"/>
-            <a:ext cx="1789898" cy="369332"/>
-          </a:xfrm>
-          <a:prstGeom prst="rect">
-            <a:avLst/>
-          </a:prstGeom>
-          <a:noFill/>
-        </p:spPr>
-        <p:txBody>
-          <a:bodyPr wrap="none" rtlCol="0">
-            <a:spAutoFit/>
-          </a:bodyPr>
-          <a:lstStyle/>
-          <a:p>
-            <a:r>
-              <a:rPr lang="en-US" dirty="0" smtClean="0"/>
-              <a:t>Species Densities</a:t>
-            </a:r>
-            <a:endParaRPr lang="en-US" dirty="0"/>
-          </a:p>
-        </p:txBody>
-      </p:sp>
-      <p:sp>
-        <p:nvSpPr>
-          <p:cNvPr id="25" name="TextBox 24"/>
-          <p:cNvSpPr txBox="1"/>
-          <p:nvPr/>
-        </p:nvSpPr>
-        <p:spPr>
-          <a:xfrm>
-            <a:off x="1694627" y="1469014"/>
-            <a:ext cx="742811" cy="276999"/>
-          </a:xfrm>
-          <a:prstGeom prst="rect">
-            <a:avLst/>
-          </a:prstGeom>
-          <a:noFill/>
-        </p:spPr>
-        <p:txBody>
-          <a:bodyPr wrap="none" rtlCol="0">
-            <a:spAutoFit/>
-          </a:bodyPr>
-          <a:lstStyle/>
-          <a:p>
-            <a:r>
-              <a:rPr lang="en-US" sz="1200" dirty="0" smtClean="0">
+              </a:endParaRPr>
+            </a:p>
+          </p:txBody>
+        </p:sp>
+        <p:sp>
+          <p:nvSpPr>
+            <p:cNvPr id="15" name="TextBox 14"/>
+            <p:cNvSpPr txBox="1"/>
+            <p:nvPr/>
+          </p:nvSpPr>
+          <p:spPr>
+            <a:xfrm>
+              <a:off x="2007003" y="1147201"/>
+              <a:ext cx="1967205" cy="338554"/>
+            </a:xfrm>
+            <a:prstGeom prst="rect">
+              <a:avLst/>
+            </a:prstGeom>
+            <a:noFill/>
+          </p:spPr>
+          <p:txBody>
+            <a:bodyPr wrap="none" rtlCol="0">
+              <a:spAutoFit/>
+            </a:bodyPr>
+            <a:lstStyle/>
+            <a:p>
+              <a:r>
+                <a:rPr lang="en-US" sz="1600" dirty="0" smtClean="0"/>
+                <a:t>Species Density ODEs</a:t>
+              </a:r>
+              <a:endParaRPr lang="en-US" sz="1600" dirty="0"/>
+            </a:p>
+          </p:txBody>
+        </p:sp>
+        <p:sp>
+          <p:nvSpPr>
+            <p:cNvPr id="16" name="TextBox 15"/>
+            <p:cNvSpPr txBox="1"/>
+            <p:nvPr/>
+          </p:nvSpPr>
+          <p:spPr>
+            <a:xfrm>
+              <a:off x="1780804" y="1856109"/>
+              <a:ext cx="2427968" cy="338554"/>
+            </a:xfrm>
+            <a:prstGeom prst="rect">
+              <a:avLst/>
+            </a:prstGeom>
+            <a:noFill/>
+          </p:spPr>
+          <p:txBody>
+            <a:bodyPr wrap="none" rtlCol="0">
+              <a:spAutoFit/>
+            </a:bodyPr>
+            <a:lstStyle/>
+            <a:p>
+              <a:r>
+                <a:rPr lang="en-US" sz="1600" dirty="0" smtClean="0"/>
+                <a:t>Electron Temperature ODE</a:t>
+              </a:r>
+              <a:endParaRPr lang="en-US" sz="1600" dirty="0"/>
+            </a:p>
+          </p:txBody>
+        </p:sp>
+        <p:cxnSp>
+          <p:nvCxnSpPr>
+            <p:cNvPr id="18" name="Straight Connector 17"/>
+            <p:cNvCxnSpPr/>
+            <p:nvPr/>
+          </p:nvCxnSpPr>
+          <p:spPr>
+            <a:xfrm>
+              <a:off x="1741926" y="1113908"/>
+              <a:ext cx="2504313" cy="0"/>
+            </a:xfrm>
+            <a:prstGeom prst="line">
+              <a:avLst/>
+            </a:prstGeom>
+            <a:ln>
+              <a:solidFill>
+                <a:schemeClr val="accent4">
+                  <a:lumMod val="75000"/>
+                </a:schemeClr>
+              </a:solidFill>
+            </a:ln>
+            <a:effectLst/>
+          </p:spPr>
+          <p:style>
+            <a:lnRef idx="2">
+              <a:schemeClr val="accent1"/>
+            </a:lnRef>
+            <a:fillRef idx="0">
+              <a:schemeClr val="accent1"/>
+            </a:fillRef>
+            <a:effectRef idx="1">
+              <a:schemeClr val="accent1"/>
+            </a:effectRef>
+            <a:fontRef idx="minor">
+              <a:schemeClr val="tx1"/>
+            </a:fontRef>
+          </p:style>
+        </p:cxnSp>
+        <p:cxnSp>
+          <p:nvCxnSpPr>
+            <p:cNvPr id="19" name="Straight Connector 18"/>
+            <p:cNvCxnSpPr/>
+            <p:nvPr/>
+          </p:nvCxnSpPr>
+          <p:spPr>
+            <a:xfrm>
+              <a:off x="509533" y="3539820"/>
+              <a:ext cx="2504313" cy="0"/>
+            </a:xfrm>
+            <a:prstGeom prst="line">
+              <a:avLst/>
+            </a:prstGeom>
+            <a:ln>
+              <a:solidFill>
+                <a:schemeClr val="accent3">
+                  <a:lumMod val="75000"/>
+                </a:schemeClr>
+              </a:solidFill>
+            </a:ln>
+            <a:effectLst/>
+          </p:spPr>
+          <p:style>
+            <a:lnRef idx="2">
+              <a:schemeClr val="accent1"/>
+            </a:lnRef>
+            <a:fillRef idx="0">
+              <a:schemeClr val="accent1"/>
+            </a:fillRef>
+            <a:effectRef idx="1">
+              <a:schemeClr val="accent1"/>
+            </a:effectRef>
+            <a:fontRef idx="minor">
+              <a:schemeClr val="tx1"/>
+            </a:fontRef>
+          </p:style>
+        </p:cxnSp>
+        <p:cxnSp>
+          <p:nvCxnSpPr>
+            <p:cNvPr id="20" name="Straight Connector 19"/>
+            <p:cNvCxnSpPr/>
+            <p:nvPr/>
+          </p:nvCxnSpPr>
+          <p:spPr>
+            <a:xfrm>
+              <a:off x="3885585" y="3523482"/>
+              <a:ext cx="2504313" cy="0"/>
+            </a:xfrm>
+            <a:prstGeom prst="line">
+              <a:avLst/>
+            </a:prstGeom>
+            <a:ln>
+              <a:solidFill>
+                <a:srgbClr val="31859C"/>
+              </a:solidFill>
+            </a:ln>
+            <a:effectLst/>
+          </p:spPr>
+          <p:style>
+            <a:lnRef idx="2">
+              <a:schemeClr val="accent1"/>
+            </a:lnRef>
+            <a:fillRef idx="0">
+              <a:schemeClr val="accent1"/>
+            </a:fillRef>
+            <a:effectRef idx="1">
+              <a:schemeClr val="accent1"/>
+            </a:effectRef>
+            <a:fontRef idx="minor">
+              <a:schemeClr val="tx1"/>
+            </a:fontRef>
+          </p:style>
+        </p:cxnSp>
+        <p:sp>
+          <p:nvSpPr>
+            <p:cNvPr id="21" name="TextBox 20"/>
+            <p:cNvSpPr txBox="1"/>
+            <p:nvPr/>
+          </p:nvSpPr>
+          <p:spPr>
+            <a:xfrm>
+              <a:off x="641063" y="3648130"/>
+              <a:ext cx="2181258" cy="584776"/>
+            </a:xfrm>
+            <a:prstGeom prst="rect">
+              <a:avLst/>
+            </a:prstGeom>
+            <a:noFill/>
+          </p:spPr>
+          <p:txBody>
+            <a:bodyPr wrap="square" rtlCol="0">
+              <a:spAutoFit/>
+            </a:bodyPr>
+            <a:lstStyle/>
+            <a:p>
+              <a:pPr algn="ctr"/>
+              <a:r>
+                <a:rPr lang="en-US" sz="1600" dirty="0" smtClean="0"/>
+                <a:t>Electron Reaction Rate Coefficients</a:t>
+              </a:r>
+              <a:endParaRPr lang="en-US" sz="1600" dirty="0"/>
+            </a:p>
+          </p:txBody>
+        </p:sp>
+        <p:sp>
+          <p:nvSpPr>
+            <p:cNvPr id="22" name="TextBox 21"/>
+            <p:cNvSpPr txBox="1"/>
+            <p:nvPr/>
+          </p:nvSpPr>
+          <p:spPr>
+            <a:xfrm>
+              <a:off x="788394" y="4224025"/>
+              <a:ext cx="1954381" cy="338554"/>
+            </a:xfrm>
+            <a:prstGeom prst="rect">
+              <a:avLst/>
+            </a:prstGeom>
+            <a:noFill/>
+          </p:spPr>
+          <p:txBody>
+            <a:bodyPr wrap="none" rtlCol="0">
+              <a:spAutoFit/>
+            </a:bodyPr>
+            <a:lstStyle/>
+            <a:p>
+              <a:pPr algn="ctr"/>
+              <a:r>
+                <a:rPr lang="en-US" sz="1600" dirty="0" smtClean="0"/>
+                <a:t>Diffusion Coefficients</a:t>
+              </a:r>
+              <a:endParaRPr lang="en-US" sz="1600" dirty="0"/>
+            </a:p>
+          </p:txBody>
+        </p:sp>
+        <p:sp>
+          <p:nvSpPr>
+            <p:cNvPr id="23" name="TextBox 22"/>
+            <p:cNvSpPr txBox="1"/>
+            <p:nvPr/>
+          </p:nvSpPr>
+          <p:spPr>
+            <a:xfrm>
+              <a:off x="1254679" y="4586517"/>
+              <a:ext cx="1014020" cy="338554"/>
+            </a:xfrm>
+            <a:prstGeom prst="rect">
+              <a:avLst/>
+            </a:prstGeom>
+            <a:noFill/>
+          </p:spPr>
+          <p:txBody>
+            <a:bodyPr wrap="none" rtlCol="0">
+              <a:spAutoFit/>
+            </a:bodyPr>
+            <a:lstStyle/>
+            <a:p>
+              <a:pPr algn="ctr"/>
+              <a:r>
+                <a:rPr lang="en-US" sz="1600" dirty="0" err="1" smtClean="0"/>
+                <a:t>Mobilities</a:t>
+              </a:r>
+              <a:endParaRPr lang="en-US" sz="1600" dirty="0"/>
+            </a:p>
+          </p:txBody>
+        </p:sp>
+        <p:sp>
+          <p:nvSpPr>
+            <p:cNvPr id="24" name="TextBox 23"/>
+            <p:cNvSpPr txBox="1"/>
+            <p:nvPr/>
+          </p:nvSpPr>
+          <p:spPr>
+            <a:xfrm>
+              <a:off x="4246239" y="3950549"/>
+              <a:ext cx="1789898" cy="369332"/>
+            </a:xfrm>
+            <a:prstGeom prst="rect">
+              <a:avLst/>
+            </a:prstGeom>
+            <a:noFill/>
+          </p:spPr>
+          <p:txBody>
+            <a:bodyPr wrap="none" rtlCol="0">
+              <a:spAutoFit/>
+            </a:bodyPr>
+            <a:lstStyle/>
+            <a:p>
+              <a:r>
+                <a:rPr lang="en-US" dirty="0" smtClean="0"/>
+                <a:t>Species Densities</a:t>
+              </a:r>
+              <a:endParaRPr lang="en-US" dirty="0"/>
+            </a:p>
+          </p:txBody>
+        </p:sp>
+        <p:sp>
+          <p:nvSpPr>
+            <p:cNvPr id="25" name="TextBox 24"/>
+            <p:cNvSpPr txBox="1"/>
+            <p:nvPr/>
+          </p:nvSpPr>
+          <p:spPr>
+            <a:xfrm>
+              <a:off x="1694627" y="1469014"/>
+              <a:ext cx="742811" cy="276999"/>
+            </a:xfrm>
+            <a:prstGeom prst="rect">
+              <a:avLst/>
+            </a:prstGeom>
+            <a:noFill/>
+          </p:spPr>
+          <p:txBody>
+            <a:bodyPr wrap="none" rtlCol="0">
+              <a:spAutoFit/>
+            </a:bodyPr>
+            <a:lstStyle/>
+            <a:p>
+              <a:r>
+                <a:rPr lang="en-US" sz="1200" dirty="0" smtClean="0">
+                  <a:solidFill>
+                    <a:srgbClr val="FF0000"/>
+                  </a:solidFill>
+                </a:rPr>
+                <a:t>Diffusion</a:t>
+              </a:r>
+              <a:endParaRPr lang="en-US" sz="1200" dirty="0">
                 <a:solidFill>
                   <a:srgbClr val="FF0000"/>
                 </a:solidFill>
-              </a:rPr>
-              <a:t>Diffusion</a:t>
-            </a:r>
-            <a:endParaRPr lang="en-US" sz="1200" dirty="0">
+              </a:endParaRPr>
+            </a:p>
+          </p:txBody>
+        </p:sp>
+        <p:sp>
+          <p:nvSpPr>
+            <p:cNvPr id="26" name="TextBox 25"/>
+            <p:cNvSpPr txBox="1"/>
+            <p:nvPr/>
+          </p:nvSpPr>
+          <p:spPr>
+            <a:xfrm>
+              <a:off x="2421962" y="1563108"/>
+              <a:ext cx="1120820" cy="276999"/>
+            </a:xfrm>
+            <a:prstGeom prst="rect">
+              <a:avLst/>
+            </a:prstGeom>
+            <a:noFill/>
+          </p:spPr>
+          <p:txBody>
+            <a:bodyPr wrap="none" rtlCol="0">
+              <a:spAutoFit/>
+            </a:bodyPr>
+            <a:lstStyle/>
+            <a:p>
+              <a:r>
+                <a:rPr lang="en-US" sz="1200" dirty="0" smtClean="0">
+                  <a:solidFill>
+                    <a:srgbClr val="FF0000"/>
+                  </a:solidFill>
+                </a:rPr>
+                <a:t>Reaction Rates</a:t>
+              </a:r>
+              <a:endParaRPr lang="en-US" sz="1200" dirty="0">
+                <a:solidFill>
+                  <a:srgbClr val="FF0000"/>
+                </a:solidFill>
+              </a:endParaRPr>
+            </a:p>
+          </p:txBody>
+        </p:sp>
+        <p:sp>
+          <p:nvSpPr>
+            <p:cNvPr id="27" name="TextBox 26"/>
+            <p:cNvSpPr txBox="1"/>
+            <p:nvPr/>
+          </p:nvSpPr>
+          <p:spPr>
+            <a:xfrm>
+              <a:off x="3516139" y="1504126"/>
+              <a:ext cx="703457" cy="276999"/>
+            </a:xfrm>
+            <a:prstGeom prst="rect">
+              <a:avLst/>
+            </a:prstGeom>
+            <a:noFill/>
+          </p:spPr>
+          <p:txBody>
+            <a:bodyPr wrap="square" rtlCol="0">
+              <a:spAutoFit/>
+            </a:bodyPr>
+            <a:lstStyle/>
+            <a:p>
+              <a:r>
+                <a:rPr lang="en-US" sz="1200" dirty="0" smtClean="0">
+                  <a:solidFill>
+                    <a:srgbClr val="0000FF"/>
+                  </a:solidFill>
+                </a:rPr>
+                <a:t>SA / </a:t>
+              </a:r>
+              <a:r>
+                <a:rPr lang="en-US" sz="1200" dirty="0" err="1" smtClean="0">
+                  <a:solidFill>
+                    <a:srgbClr val="0000FF"/>
+                  </a:solidFill>
+                </a:rPr>
+                <a:t>Vol</a:t>
+              </a:r>
+              <a:endParaRPr lang="en-US" sz="1200" dirty="0">
+                <a:solidFill>
+                  <a:srgbClr val="0000FF"/>
+                </a:solidFill>
+              </a:endParaRPr>
+            </a:p>
+          </p:txBody>
+        </p:sp>
+        <p:sp>
+          <p:nvSpPr>
+            <p:cNvPr id="28" name="TextBox 27"/>
+            <p:cNvSpPr txBox="1"/>
+            <p:nvPr/>
+          </p:nvSpPr>
+          <p:spPr>
+            <a:xfrm>
+              <a:off x="2879780" y="2269506"/>
+              <a:ext cx="1326004" cy="276999"/>
+            </a:xfrm>
+            <a:prstGeom prst="rect">
+              <a:avLst/>
+            </a:prstGeom>
+            <a:noFill/>
+          </p:spPr>
+          <p:txBody>
+            <a:bodyPr wrap="none" rtlCol="0">
+              <a:spAutoFit/>
+            </a:bodyPr>
+            <a:lstStyle/>
+            <a:p>
+              <a:r>
+                <a:rPr lang="en-US" sz="1200" dirty="0" smtClean="0">
+                  <a:solidFill>
+                    <a:srgbClr val="FF0000"/>
+                  </a:solidFill>
+                </a:rPr>
+                <a:t>Electron Collisions</a:t>
+              </a:r>
+              <a:endParaRPr lang="en-US" sz="1200" dirty="0">
+                <a:solidFill>
+                  <a:srgbClr val="FF0000"/>
+                </a:solidFill>
+              </a:endParaRPr>
+            </a:p>
+          </p:txBody>
+        </p:sp>
+        <p:sp>
+          <p:nvSpPr>
+            <p:cNvPr id="29" name="TextBox 28"/>
+            <p:cNvSpPr txBox="1"/>
+            <p:nvPr/>
+          </p:nvSpPr>
+          <p:spPr>
+            <a:xfrm>
+              <a:off x="1883015" y="2269506"/>
+              <a:ext cx="954107" cy="276999"/>
+            </a:xfrm>
+            <a:prstGeom prst="rect">
+              <a:avLst/>
+            </a:prstGeom>
+            <a:noFill/>
+          </p:spPr>
+          <p:txBody>
+            <a:bodyPr wrap="none" rtlCol="0">
+              <a:spAutoFit/>
+            </a:bodyPr>
+            <a:lstStyle/>
+            <a:p>
+              <a:r>
+                <a:rPr lang="en-US" sz="1200" dirty="0" smtClean="0">
+                  <a:solidFill>
+                    <a:srgbClr val="0000FF"/>
+                  </a:solidFill>
+                </a:rPr>
+                <a:t>Power Input</a:t>
+              </a:r>
+              <a:endParaRPr lang="en-US" sz="1200" dirty="0">
+                <a:solidFill>
+                  <a:srgbClr val="0000FF"/>
+                </a:solidFill>
+              </a:endParaRPr>
+            </a:p>
+          </p:txBody>
+        </p:sp>
+        <p:cxnSp>
+          <p:nvCxnSpPr>
+            <p:cNvPr id="33" name="Straight Arrow Connector 32"/>
+            <p:cNvCxnSpPr/>
+            <p:nvPr/>
+          </p:nvCxnSpPr>
+          <p:spPr>
+            <a:xfrm flipV="1">
+              <a:off x="2220136" y="1412064"/>
+              <a:ext cx="79925" cy="168806"/>
+            </a:xfrm>
+            <a:prstGeom prst="straightConnector1">
+              <a:avLst/>
+            </a:prstGeom>
+            <a:ln>
               <a:solidFill>
                 <a:srgbClr val="FF0000"/>
               </a:solidFill>
-            </a:endParaRPr>
-          </a:p>
-        </p:txBody>
-      </p:sp>
-      <p:sp>
-        <p:nvSpPr>
-          <p:cNvPr id="26" name="TextBox 25"/>
-          <p:cNvSpPr txBox="1"/>
-          <p:nvPr/>
-        </p:nvSpPr>
-        <p:spPr>
-          <a:xfrm>
-            <a:off x="2421962" y="1563108"/>
-            <a:ext cx="1120820" cy="276999"/>
-          </a:xfrm>
-          <a:prstGeom prst="rect">
-            <a:avLst/>
-          </a:prstGeom>
-          <a:noFill/>
-        </p:spPr>
-        <p:txBody>
-          <a:bodyPr wrap="none" rtlCol="0">
-            <a:spAutoFit/>
-          </a:bodyPr>
-          <a:lstStyle/>
-          <a:p>
-            <a:r>
-              <a:rPr lang="en-US" sz="1200" dirty="0" smtClean="0">
-                <a:solidFill>
-                  <a:srgbClr val="FF0000"/>
-                </a:solidFill>
-              </a:rPr>
-              <a:t>Reaction Rates</a:t>
-            </a:r>
-            <a:endParaRPr lang="en-US" sz="1200" dirty="0">
+              <a:tailEnd type="arrow"/>
+            </a:ln>
+            <a:effectLst/>
+          </p:spPr>
+          <p:style>
+            <a:lnRef idx="2">
+              <a:schemeClr val="accent1"/>
+            </a:lnRef>
+            <a:fillRef idx="0">
+              <a:schemeClr val="accent1"/>
+            </a:fillRef>
+            <a:effectRef idx="1">
+              <a:schemeClr val="accent1"/>
+            </a:effectRef>
+            <a:fontRef idx="minor">
+              <a:schemeClr val="tx1"/>
+            </a:fontRef>
+          </p:style>
+        </p:cxnSp>
+        <p:cxnSp>
+          <p:nvCxnSpPr>
+            <p:cNvPr id="35" name="Straight Arrow Connector 34"/>
+            <p:cNvCxnSpPr/>
+            <p:nvPr/>
+          </p:nvCxnSpPr>
+          <p:spPr>
+            <a:xfrm flipV="1">
+              <a:off x="2938161" y="1423589"/>
+              <a:ext cx="0" cy="252000"/>
+            </a:xfrm>
+            <a:prstGeom prst="straightConnector1">
+              <a:avLst/>
+            </a:prstGeom>
+            <a:ln>
               <a:solidFill>
                 <a:srgbClr val="FF0000"/>
               </a:solidFill>
-            </a:endParaRPr>
-          </a:p>
-        </p:txBody>
-      </p:sp>
-      <p:sp>
-        <p:nvSpPr>
-          <p:cNvPr id="27" name="TextBox 26"/>
-          <p:cNvSpPr txBox="1"/>
-          <p:nvPr/>
-        </p:nvSpPr>
-        <p:spPr>
-          <a:xfrm>
-            <a:off x="3516139" y="1504126"/>
-            <a:ext cx="703457" cy="276999"/>
-          </a:xfrm>
-          <a:prstGeom prst="rect">
-            <a:avLst/>
-          </a:prstGeom>
-          <a:noFill/>
-        </p:spPr>
-        <p:txBody>
-          <a:bodyPr wrap="square" rtlCol="0">
-            <a:spAutoFit/>
-          </a:bodyPr>
-          <a:lstStyle/>
-          <a:p>
-            <a:r>
-              <a:rPr lang="en-US" sz="1200" dirty="0" smtClean="0">
-                <a:solidFill>
-                  <a:srgbClr val="0000FF"/>
-                </a:solidFill>
-              </a:rPr>
-              <a:t>SA / </a:t>
-            </a:r>
-            <a:r>
-              <a:rPr lang="en-US" sz="1200" dirty="0" err="1" smtClean="0">
-                <a:solidFill>
-                  <a:srgbClr val="0000FF"/>
-                </a:solidFill>
-              </a:rPr>
-              <a:t>Vol</a:t>
-            </a:r>
-            <a:endParaRPr lang="en-US" sz="1200" dirty="0">
+              <a:tailEnd type="arrow"/>
+            </a:ln>
+            <a:effectLst/>
+          </p:spPr>
+          <p:style>
+            <a:lnRef idx="2">
+              <a:schemeClr val="accent1"/>
+            </a:lnRef>
+            <a:fillRef idx="0">
+              <a:schemeClr val="accent1"/>
+            </a:fillRef>
+            <a:effectRef idx="1">
+              <a:schemeClr val="accent1"/>
+            </a:effectRef>
+            <a:fontRef idx="minor">
+              <a:schemeClr val="tx1"/>
+            </a:fontRef>
+          </p:style>
+        </p:cxnSp>
+        <p:cxnSp>
+          <p:nvCxnSpPr>
+            <p:cNvPr id="38" name="Straight Arrow Connector 37"/>
+            <p:cNvCxnSpPr/>
+            <p:nvPr/>
+          </p:nvCxnSpPr>
+          <p:spPr>
+            <a:xfrm flipH="1" flipV="1">
+              <a:off x="3196996" y="2131417"/>
+              <a:ext cx="239218" cy="246912"/>
+            </a:xfrm>
+            <a:prstGeom prst="straightConnector1">
+              <a:avLst/>
+            </a:prstGeom>
+            <a:ln>
+              <a:solidFill>
+                <a:srgbClr val="FF0000"/>
+              </a:solidFill>
+              <a:tailEnd type="arrow"/>
+            </a:ln>
+            <a:effectLst/>
+          </p:spPr>
+          <p:style>
+            <a:lnRef idx="2">
+              <a:schemeClr val="accent1"/>
+            </a:lnRef>
+            <a:fillRef idx="0">
+              <a:schemeClr val="accent1"/>
+            </a:fillRef>
+            <a:effectRef idx="1">
+              <a:schemeClr val="accent1"/>
+            </a:effectRef>
+            <a:fontRef idx="minor">
+              <a:schemeClr val="tx1"/>
+            </a:fontRef>
+          </p:style>
+        </p:cxnSp>
+        <p:cxnSp>
+          <p:nvCxnSpPr>
+            <p:cNvPr id="40" name="Straight Arrow Connector 39"/>
+            <p:cNvCxnSpPr/>
+            <p:nvPr/>
+          </p:nvCxnSpPr>
+          <p:spPr>
+            <a:xfrm flipV="1">
+              <a:off x="2438869" y="2131417"/>
+              <a:ext cx="207533" cy="222492"/>
+            </a:xfrm>
+            <a:prstGeom prst="straightConnector1">
+              <a:avLst/>
+            </a:prstGeom>
+            <a:ln>
               <a:solidFill>
                 <a:srgbClr val="0000FF"/>
               </a:solidFill>
-            </a:endParaRPr>
-          </a:p>
-        </p:txBody>
-      </p:sp>
-      <p:sp>
-        <p:nvSpPr>
-          <p:cNvPr id="28" name="TextBox 27"/>
-          <p:cNvSpPr txBox="1"/>
-          <p:nvPr/>
-        </p:nvSpPr>
-        <p:spPr>
-          <a:xfrm>
-            <a:off x="2879780" y="2269506"/>
-            <a:ext cx="1326004" cy="276999"/>
-          </a:xfrm>
-          <a:prstGeom prst="rect">
-            <a:avLst/>
-          </a:prstGeom>
-          <a:noFill/>
-        </p:spPr>
-        <p:txBody>
-          <a:bodyPr wrap="none" rtlCol="0">
-            <a:spAutoFit/>
-          </a:bodyPr>
-          <a:lstStyle/>
-          <a:p>
-            <a:r>
-              <a:rPr lang="en-US" sz="1200" dirty="0" smtClean="0">
-                <a:solidFill>
-                  <a:srgbClr val="FF0000"/>
-                </a:solidFill>
-              </a:rPr>
-              <a:t>Electron Collisions</a:t>
-            </a:r>
-            <a:endParaRPr lang="en-US" sz="1200" dirty="0">
+              <a:tailEnd type="arrow"/>
+            </a:ln>
+            <a:effectLst/>
+          </p:spPr>
+          <p:style>
+            <a:lnRef idx="2">
+              <a:schemeClr val="accent1"/>
+            </a:lnRef>
+            <a:fillRef idx="0">
+              <a:schemeClr val="accent1"/>
+            </a:fillRef>
+            <a:effectRef idx="1">
+              <a:schemeClr val="accent1"/>
+            </a:effectRef>
+            <a:fontRef idx="minor">
+              <a:schemeClr val="tx1"/>
+            </a:fontRef>
+          </p:style>
+        </p:cxnSp>
+        <p:cxnSp>
+          <p:nvCxnSpPr>
+            <p:cNvPr id="42" name="Straight Arrow Connector 41"/>
+            <p:cNvCxnSpPr/>
+            <p:nvPr/>
+          </p:nvCxnSpPr>
+          <p:spPr>
+            <a:xfrm flipH="1" flipV="1">
+              <a:off x="3667665" y="1412065"/>
+              <a:ext cx="106566" cy="168805"/>
+            </a:xfrm>
+            <a:prstGeom prst="straightConnector1">
+              <a:avLst/>
+            </a:prstGeom>
+            <a:ln>
+              <a:solidFill>
+                <a:srgbClr val="0000FF"/>
+              </a:solidFill>
+              <a:tailEnd type="arrow"/>
+            </a:ln>
+            <a:effectLst/>
+          </p:spPr>
+          <p:style>
+            <a:lnRef idx="2">
+              <a:schemeClr val="accent1"/>
+            </a:lnRef>
+            <a:fillRef idx="0">
+              <a:schemeClr val="accent1"/>
+            </a:fillRef>
+            <a:effectRef idx="1">
+              <a:schemeClr val="accent1"/>
+            </a:effectRef>
+            <a:fontRef idx="minor">
+              <a:schemeClr val="tx1"/>
+            </a:fontRef>
+          </p:style>
+        </p:cxnSp>
+        <p:sp>
+          <p:nvSpPr>
+            <p:cNvPr id="45" name="Rectangle 44"/>
+            <p:cNvSpPr/>
+            <p:nvPr/>
+          </p:nvSpPr>
+          <p:spPr>
+            <a:xfrm>
+              <a:off x="4799934" y="1252207"/>
+              <a:ext cx="346341" cy="159857"/>
+            </a:xfrm>
+            <a:prstGeom prst="rect">
+              <a:avLst/>
+            </a:prstGeom>
+            <a:solidFill>
+              <a:srgbClr val="0000FF"/>
+            </a:solidFill>
+            <a:ln>
+              <a:solidFill>
+                <a:srgbClr val="0000FF"/>
+              </a:solidFill>
+            </a:ln>
+            <a:effectLst/>
+          </p:spPr>
+          <p:style>
+            <a:lnRef idx="1">
+              <a:schemeClr val="accent1"/>
+            </a:lnRef>
+            <a:fillRef idx="3">
+              <a:schemeClr val="accent1"/>
+            </a:fillRef>
+            <a:effectRef idx="2">
+              <a:schemeClr val="accent1"/>
+            </a:effectRef>
+            <a:fontRef idx="minor">
+              <a:schemeClr val="lt1"/>
+            </a:fontRef>
+          </p:style>
+          <p:txBody>
+            <a:bodyPr rtlCol="0" anchor="ctr"/>
+            <a:lstStyle/>
+            <a:p>
+              <a:pPr algn="ctr"/>
+              <a:endParaRPr lang="en-US"/>
+            </a:p>
+          </p:txBody>
+        </p:sp>
+        <p:sp>
+          <p:nvSpPr>
+            <p:cNvPr id="46" name="TextBox 45"/>
+            <p:cNvSpPr txBox="1"/>
+            <p:nvPr/>
+          </p:nvSpPr>
+          <p:spPr>
+            <a:xfrm>
+              <a:off x="5104692" y="1185778"/>
+              <a:ext cx="1750675" cy="276999"/>
+            </a:xfrm>
+            <a:prstGeom prst="rect">
+              <a:avLst/>
+            </a:prstGeom>
+            <a:noFill/>
+          </p:spPr>
+          <p:txBody>
+            <a:bodyPr wrap="none" rtlCol="0">
+              <a:spAutoFit/>
+            </a:bodyPr>
+            <a:lstStyle/>
+            <a:p>
+              <a:r>
+                <a:rPr lang="en-US" sz="1200" dirty="0" smtClean="0"/>
+                <a:t>= Fixed Input Parameters</a:t>
+              </a:r>
+              <a:endParaRPr lang="en-US" sz="1200" dirty="0"/>
+            </a:p>
+          </p:txBody>
+        </p:sp>
+        <p:sp>
+          <p:nvSpPr>
+            <p:cNvPr id="47" name="Rectangle 46"/>
+            <p:cNvSpPr/>
+            <p:nvPr/>
+          </p:nvSpPr>
+          <p:spPr>
+            <a:xfrm>
+              <a:off x="4802567" y="1570555"/>
+              <a:ext cx="346341" cy="159857"/>
+            </a:xfrm>
+            <a:prstGeom prst="rect">
+              <a:avLst/>
+            </a:prstGeom>
+            <a:solidFill>
+              <a:srgbClr val="FF0000"/>
+            </a:solidFill>
+            <a:ln>
               <a:solidFill>
                 <a:srgbClr val="FF0000"/>
               </a:solidFill>
-            </a:endParaRPr>
-          </a:p>
-        </p:txBody>
-      </p:sp>
-      <p:sp>
-        <p:nvSpPr>
-          <p:cNvPr id="29" name="TextBox 28"/>
-          <p:cNvSpPr txBox="1"/>
-          <p:nvPr/>
-        </p:nvSpPr>
-        <p:spPr>
-          <a:xfrm>
-            <a:off x="1883015" y="2269506"/>
-            <a:ext cx="954107" cy="276999"/>
-          </a:xfrm>
-          <a:prstGeom prst="rect">
-            <a:avLst/>
-          </a:prstGeom>
-          <a:noFill/>
-        </p:spPr>
-        <p:txBody>
-          <a:bodyPr wrap="none" rtlCol="0">
-            <a:spAutoFit/>
-          </a:bodyPr>
-          <a:lstStyle/>
-          <a:p>
-            <a:r>
-              <a:rPr lang="en-US" sz="1200" dirty="0" smtClean="0">
-                <a:solidFill>
-                  <a:srgbClr val="0000FF"/>
-                </a:solidFill>
-              </a:rPr>
-              <a:t>Power Input</a:t>
-            </a:r>
-            <a:endParaRPr lang="en-US" sz="1200" dirty="0">
-              <a:solidFill>
-                <a:srgbClr val="0000FF"/>
-              </a:solidFill>
-            </a:endParaRPr>
-          </a:p>
-        </p:txBody>
-      </p:sp>
-      <p:cxnSp>
-        <p:nvCxnSpPr>
-          <p:cNvPr id="33" name="Straight Arrow Connector 32"/>
-          <p:cNvCxnSpPr/>
-          <p:nvPr/>
-        </p:nvCxnSpPr>
-        <p:spPr>
-          <a:xfrm flipV="1">
-            <a:off x="2220136" y="1412064"/>
-            <a:ext cx="79925" cy="168806"/>
-          </a:xfrm>
-          <a:prstGeom prst="straightConnector1">
-            <a:avLst/>
-          </a:prstGeom>
-          <a:ln>
+            </a:ln>
+            <a:effectLst/>
+          </p:spPr>
+          <p:style>
+            <a:lnRef idx="1">
+              <a:schemeClr val="accent1"/>
+            </a:lnRef>
+            <a:fillRef idx="3">
+              <a:schemeClr val="accent1"/>
+            </a:fillRef>
+            <a:effectRef idx="2">
+              <a:schemeClr val="accent1"/>
+            </a:effectRef>
+            <a:fontRef idx="minor">
+              <a:schemeClr val="lt1"/>
+            </a:fontRef>
+          </p:style>
+          <p:txBody>
+            <a:bodyPr rtlCol="0" anchor="ctr"/>
+            <a:lstStyle/>
+            <a:p>
+              <a:pPr algn="ctr"/>
+              <a:endParaRPr lang="en-US"/>
+            </a:p>
+          </p:txBody>
+        </p:sp>
+        <p:sp>
+          <p:nvSpPr>
+            <p:cNvPr id="48" name="TextBox 47"/>
+            <p:cNvSpPr txBox="1"/>
+            <p:nvPr/>
+          </p:nvSpPr>
+          <p:spPr>
+            <a:xfrm>
+              <a:off x="5107325" y="1495245"/>
+              <a:ext cx="1748042" cy="461665"/>
+            </a:xfrm>
+            <a:prstGeom prst="rect">
+              <a:avLst/>
+            </a:prstGeom>
+            <a:noFill/>
+          </p:spPr>
+          <p:txBody>
+            <a:bodyPr wrap="square" rtlCol="0">
+              <a:spAutoFit/>
+            </a:bodyPr>
+            <a:lstStyle/>
+            <a:p>
+              <a:r>
+                <a:rPr lang="en-US" sz="1200" dirty="0" smtClean="0"/>
+                <a:t>= Parameters dependent on electron temperature</a:t>
+              </a:r>
+              <a:endParaRPr lang="en-US" sz="1200" dirty="0"/>
+            </a:p>
+          </p:txBody>
+        </p:sp>
+        <p:sp>
+          <p:nvSpPr>
+            <p:cNvPr id="52" name="Bent-Up Arrow 51"/>
+            <p:cNvSpPr/>
+            <p:nvPr/>
+          </p:nvSpPr>
+          <p:spPr>
+            <a:xfrm>
+              <a:off x="2879780" y="2614910"/>
+              <a:ext cx="388260" cy="1704972"/>
+            </a:xfrm>
+            <a:prstGeom prst="bentUpArrow">
+              <a:avLst/>
+            </a:prstGeom>
             <a:solidFill>
               <a:srgbClr val="FF0000"/>
             </a:solidFill>
-            <a:tailEnd type="arrow"/>
-          </a:ln>
-          <a:effectLst/>
-        </p:spPr>
-        <p:style>
-          <a:lnRef idx="2">
-            <a:schemeClr val="accent1"/>
-          </a:lnRef>
-          <a:fillRef idx="0">
-            <a:schemeClr val="accent1"/>
-          </a:fillRef>
-          <a:effectRef idx="1">
-            <a:schemeClr val="accent1"/>
-          </a:effectRef>
-          <a:fontRef idx="minor">
-            <a:schemeClr val="tx1"/>
-          </a:fontRef>
-        </p:style>
-      </p:cxnSp>
-      <p:cxnSp>
-        <p:nvCxnSpPr>
-          <p:cNvPr id="35" name="Straight Arrow Connector 34"/>
-          <p:cNvCxnSpPr/>
-          <p:nvPr/>
-        </p:nvCxnSpPr>
-        <p:spPr>
-          <a:xfrm flipV="1">
-            <a:off x="2938161" y="1423589"/>
-            <a:ext cx="0" cy="252000"/>
-          </a:xfrm>
-          <a:prstGeom prst="straightConnector1">
-            <a:avLst/>
-          </a:prstGeom>
-          <a:ln>
-            <a:solidFill>
-              <a:srgbClr val="FF0000"/>
-            </a:solidFill>
-            <a:tailEnd type="arrow"/>
-          </a:ln>
-          <a:effectLst/>
-        </p:spPr>
-        <p:style>
-          <a:lnRef idx="2">
-            <a:schemeClr val="accent1"/>
-          </a:lnRef>
-          <a:fillRef idx="0">
-            <a:schemeClr val="accent1"/>
-          </a:fillRef>
-          <a:effectRef idx="1">
-            <a:schemeClr val="accent1"/>
-          </a:effectRef>
-          <a:fontRef idx="minor">
-            <a:schemeClr val="tx1"/>
-          </a:fontRef>
-        </p:style>
-      </p:cxnSp>
-      <p:cxnSp>
-        <p:nvCxnSpPr>
-          <p:cNvPr id="38" name="Straight Arrow Connector 37"/>
-          <p:cNvCxnSpPr/>
-          <p:nvPr/>
-        </p:nvCxnSpPr>
-        <p:spPr>
-          <a:xfrm flipH="1" flipV="1">
-            <a:off x="3196996" y="2131417"/>
-            <a:ext cx="239218" cy="246912"/>
-          </a:xfrm>
-          <a:prstGeom prst="straightConnector1">
-            <a:avLst/>
-          </a:prstGeom>
-          <a:ln>
-            <a:solidFill>
-              <a:srgbClr val="FF0000"/>
-            </a:solidFill>
-            <a:tailEnd type="arrow"/>
-          </a:ln>
-          <a:effectLst/>
-        </p:spPr>
-        <p:style>
-          <a:lnRef idx="2">
-            <a:schemeClr val="accent1"/>
-          </a:lnRef>
-          <a:fillRef idx="0">
-            <a:schemeClr val="accent1"/>
-          </a:fillRef>
-          <a:effectRef idx="1">
-            <a:schemeClr val="accent1"/>
-          </a:effectRef>
-          <a:fontRef idx="minor">
-            <a:schemeClr val="tx1"/>
-          </a:fontRef>
-        </p:style>
-      </p:cxnSp>
-      <p:cxnSp>
-        <p:nvCxnSpPr>
-          <p:cNvPr id="40" name="Straight Arrow Connector 39"/>
-          <p:cNvCxnSpPr/>
-          <p:nvPr/>
-        </p:nvCxnSpPr>
-        <p:spPr>
-          <a:xfrm flipV="1">
-            <a:off x="2438869" y="2131417"/>
-            <a:ext cx="207533" cy="222492"/>
-          </a:xfrm>
-          <a:prstGeom prst="straightConnector1">
-            <a:avLst/>
-          </a:prstGeom>
-          <a:ln>
-            <a:solidFill>
-              <a:srgbClr val="0000FF"/>
-            </a:solidFill>
-            <a:tailEnd type="arrow"/>
-          </a:ln>
-          <a:effectLst/>
-        </p:spPr>
-        <p:style>
-          <a:lnRef idx="2">
-            <a:schemeClr val="accent1"/>
-          </a:lnRef>
-          <a:fillRef idx="0">
-            <a:schemeClr val="accent1"/>
-          </a:fillRef>
-          <a:effectRef idx="1">
-            <a:schemeClr val="accent1"/>
-          </a:effectRef>
-          <a:fontRef idx="minor">
-            <a:schemeClr val="tx1"/>
-          </a:fontRef>
-        </p:style>
-      </p:cxnSp>
-      <p:cxnSp>
-        <p:nvCxnSpPr>
-          <p:cNvPr id="42" name="Straight Arrow Connector 41"/>
-          <p:cNvCxnSpPr/>
-          <p:nvPr/>
-        </p:nvCxnSpPr>
-        <p:spPr>
-          <a:xfrm flipH="1" flipV="1">
-            <a:off x="3667665" y="1412065"/>
-            <a:ext cx="106566" cy="168805"/>
-          </a:xfrm>
-          <a:prstGeom prst="straightConnector1">
-            <a:avLst/>
-          </a:prstGeom>
-          <a:ln>
-            <a:solidFill>
-              <a:srgbClr val="0000FF"/>
-            </a:solidFill>
-            <a:tailEnd type="arrow"/>
-          </a:ln>
-          <a:effectLst/>
-        </p:spPr>
-        <p:style>
-          <a:lnRef idx="2">
-            <a:schemeClr val="accent1"/>
-          </a:lnRef>
-          <a:fillRef idx="0">
-            <a:schemeClr val="accent1"/>
-          </a:fillRef>
-          <a:effectRef idx="1">
-            <a:schemeClr val="accent1"/>
-          </a:effectRef>
-          <a:fontRef idx="minor">
-            <a:schemeClr val="tx1"/>
-          </a:fontRef>
-        </p:style>
-      </p:cxnSp>
-      <p:sp>
-        <p:nvSpPr>
-          <p:cNvPr id="45" name="Rectangle 44"/>
-          <p:cNvSpPr/>
-          <p:nvPr/>
-        </p:nvSpPr>
-        <p:spPr>
-          <a:xfrm>
-            <a:off x="4799934" y="1252207"/>
-            <a:ext cx="346341" cy="159857"/>
-          </a:xfrm>
-          <a:prstGeom prst="rect">
-            <a:avLst/>
-          </a:prstGeom>
-          <a:solidFill>
-            <a:srgbClr val="0000FF"/>
-          </a:solidFill>
-          <a:ln>
-            <a:solidFill>
-              <a:srgbClr val="0000FF"/>
-            </a:solidFill>
-          </a:ln>
-          <a:effectLst/>
-        </p:spPr>
-        <p:style>
-          <a:lnRef idx="1">
-            <a:schemeClr val="accent1"/>
-          </a:lnRef>
-          <a:fillRef idx="3">
-            <a:schemeClr val="accent1"/>
-          </a:fillRef>
-          <a:effectRef idx="2">
-            <a:schemeClr val="accent1"/>
-          </a:effectRef>
-          <a:fontRef idx="minor">
-            <a:schemeClr val="lt1"/>
-          </a:fontRef>
-        </p:style>
-        <p:txBody>
-          <a:bodyPr rtlCol="0" anchor="ctr"/>
-          <a:lstStyle/>
-          <a:p>
-            <a:pPr algn="ctr"/>
-            <a:endParaRPr lang="en-US"/>
-          </a:p>
-        </p:txBody>
-      </p:sp>
-      <p:sp>
-        <p:nvSpPr>
-          <p:cNvPr id="46" name="TextBox 45"/>
-          <p:cNvSpPr txBox="1"/>
-          <p:nvPr/>
-        </p:nvSpPr>
-        <p:spPr>
-          <a:xfrm>
-            <a:off x="5104692" y="1185778"/>
-            <a:ext cx="1750675" cy="276999"/>
-          </a:xfrm>
-          <a:prstGeom prst="rect">
-            <a:avLst/>
-          </a:prstGeom>
-          <a:noFill/>
-        </p:spPr>
-        <p:txBody>
-          <a:bodyPr wrap="none" rtlCol="0">
-            <a:spAutoFit/>
-          </a:bodyPr>
-          <a:lstStyle/>
-          <a:p>
-            <a:r>
-              <a:rPr lang="en-US" sz="1200" dirty="0" smtClean="0"/>
-              <a:t>= Fixed Input Parameters</a:t>
-            </a:r>
-            <a:endParaRPr lang="en-US" sz="1200" dirty="0"/>
-          </a:p>
-        </p:txBody>
-      </p:sp>
-      <p:sp>
-        <p:nvSpPr>
-          <p:cNvPr id="47" name="Rectangle 46"/>
-          <p:cNvSpPr/>
-          <p:nvPr/>
-        </p:nvSpPr>
-        <p:spPr>
-          <a:xfrm>
-            <a:off x="4802567" y="1570555"/>
-            <a:ext cx="346341" cy="159857"/>
-          </a:xfrm>
-          <a:prstGeom prst="rect">
-            <a:avLst/>
-          </a:prstGeom>
-          <a:solidFill>
-            <a:srgbClr val="FF0000"/>
-          </a:solidFill>
-          <a:ln>
-            <a:solidFill>
-              <a:srgbClr val="FF0000"/>
-            </a:solidFill>
-          </a:ln>
-          <a:effectLst/>
-        </p:spPr>
-        <p:style>
-          <a:lnRef idx="1">
-            <a:schemeClr val="accent1"/>
-          </a:lnRef>
-          <a:fillRef idx="3">
-            <a:schemeClr val="accent1"/>
-          </a:fillRef>
-          <a:effectRef idx="2">
-            <a:schemeClr val="accent1"/>
-          </a:effectRef>
-          <a:fontRef idx="minor">
-            <a:schemeClr val="lt1"/>
-          </a:fontRef>
-        </p:style>
-        <p:txBody>
-          <a:bodyPr rtlCol="0" anchor="ctr"/>
-          <a:lstStyle/>
-          <a:p>
-            <a:pPr algn="ctr"/>
-            <a:endParaRPr lang="en-US"/>
-          </a:p>
-        </p:txBody>
-      </p:sp>
-      <p:sp>
-        <p:nvSpPr>
-          <p:cNvPr id="48" name="TextBox 47"/>
-          <p:cNvSpPr txBox="1"/>
-          <p:nvPr/>
-        </p:nvSpPr>
-        <p:spPr>
-          <a:xfrm>
-            <a:off x="5107325" y="1495245"/>
-            <a:ext cx="1748042" cy="461665"/>
-          </a:xfrm>
-          <a:prstGeom prst="rect">
-            <a:avLst/>
-          </a:prstGeom>
-          <a:noFill/>
-        </p:spPr>
-        <p:txBody>
-          <a:bodyPr wrap="square" rtlCol="0">
-            <a:spAutoFit/>
-          </a:bodyPr>
-          <a:lstStyle/>
-          <a:p>
-            <a:r>
-              <a:rPr lang="en-US" sz="1200" dirty="0" smtClean="0"/>
-              <a:t>= Parameters dependent on electron temperature</a:t>
-            </a:r>
-            <a:endParaRPr lang="en-US" sz="1200" dirty="0"/>
-          </a:p>
-        </p:txBody>
-      </p:sp>
-      <p:sp>
-        <p:nvSpPr>
-          <p:cNvPr id="52" name="Bent-Up Arrow 51"/>
-          <p:cNvSpPr/>
-          <p:nvPr/>
-        </p:nvSpPr>
-        <p:spPr>
-          <a:xfrm>
-            <a:off x="2879780" y="2614910"/>
-            <a:ext cx="388260" cy="1704972"/>
-          </a:xfrm>
-          <a:prstGeom prst="bentUpArrow">
-            <a:avLst/>
-          </a:prstGeom>
-          <a:solidFill>
-            <a:srgbClr val="FF0000"/>
-          </a:solidFill>
-          <a:ln>
-            <a:solidFill>
-              <a:srgbClr val="FF0000"/>
-            </a:solidFill>
-          </a:ln>
-        </p:spPr>
-        <p:style>
-          <a:lnRef idx="1">
-            <a:schemeClr val="accent1"/>
-          </a:lnRef>
-          <a:fillRef idx="3">
-            <a:schemeClr val="accent1"/>
-          </a:fillRef>
-          <a:effectRef idx="2">
-            <a:schemeClr val="accent1"/>
-          </a:effectRef>
-          <a:fontRef idx="minor">
-            <a:schemeClr val="lt1"/>
-          </a:fontRef>
-        </p:style>
-        <p:txBody>
-          <a:bodyPr rtlCol="0" anchor="ctr"/>
-          <a:lstStyle/>
-          <a:p>
-            <a:pPr algn="ctr"/>
-            <a:endParaRPr lang="en-US"/>
-          </a:p>
-        </p:txBody>
-      </p:sp>
-      <p:sp>
-        <p:nvSpPr>
-          <p:cNvPr id="55" name="Striped Right Arrow 54"/>
-          <p:cNvSpPr/>
-          <p:nvPr/>
-        </p:nvSpPr>
-        <p:spPr>
-          <a:xfrm rot="3151392">
-            <a:off x="3912262" y="2587623"/>
-            <a:ext cx="985185" cy="576171"/>
-          </a:xfrm>
-          <a:prstGeom prst="stripedRightArrow">
-            <a:avLst/>
-          </a:prstGeom>
-          <a:solidFill>
-            <a:schemeClr val="tx1"/>
-          </a:solidFill>
-          <a:ln>
-            <a:solidFill>
-              <a:schemeClr val="bg1"/>
-            </a:solidFill>
-          </a:ln>
-          <a:effectLst/>
-        </p:spPr>
-        <p:style>
-          <a:lnRef idx="1">
-            <a:schemeClr val="accent1"/>
-          </a:lnRef>
-          <a:fillRef idx="3">
-            <a:schemeClr val="accent1"/>
-          </a:fillRef>
-          <a:effectRef idx="2">
-            <a:schemeClr val="accent1"/>
-          </a:effectRef>
-          <a:fontRef idx="minor">
-            <a:schemeClr val="lt1"/>
-          </a:fontRef>
-        </p:style>
-        <p:txBody>
-          <a:bodyPr rtlCol="0" anchor="ctr"/>
-          <a:lstStyle/>
-          <a:p>
-            <a:pPr algn="ctr"/>
-            <a:endParaRPr lang="en-US"/>
-          </a:p>
-        </p:txBody>
-      </p:sp>
-      <p:sp>
-        <p:nvSpPr>
-          <p:cNvPr id="56" name="Freeform 55"/>
-          <p:cNvSpPr/>
-          <p:nvPr/>
-        </p:nvSpPr>
-        <p:spPr>
-          <a:xfrm>
-            <a:off x="145336" y="1453683"/>
-            <a:ext cx="4968397" cy="5074527"/>
-          </a:xfrm>
-          <a:custGeom>
-            <a:avLst/>
-            <a:gdLst>
-              <a:gd name="connsiteX0" fmla="*/ 4968397 w 4968397"/>
-              <a:gd name="connsiteY0" fmla="*/ 3625853 h 5074527"/>
-              <a:gd name="connsiteX1" fmla="*/ 3815300 w 4968397"/>
-              <a:gd name="connsiteY1" fmla="*/ 4678520 h 5074527"/>
-              <a:gd name="connsiteX2" fmla="*/ 1793203 w 4968397"/>
-              <a:gd name="connsiteY2" fmla="*/ 5062827 h 5074527"/>
-              <a:gd name="connsiteX3" fmla="*/ 406145 w 4968397"/>
-              <a:gd name="connsiteY3" fmla="*/ 4294213 h 5074527"/>
-              <a:gd name="connsiteX4" fmla="*/ 5068 w 4968397"/>
-              <a:gd name="connsiteY4" fmla="*/ 2573186 h 5074527"/>
-              <a:gd name="connsiteX5" fmla="*/ 272453 w 4968397"/>
-              <a:gd name="connsiteY5" fmla="*/ 517979 h 5074527"/>
-              <a:gd name="connsiteX6" fmla="*/ 1475684 w 4968397"/>
-              <a:gd name="connsiteY6" fmla="*/ 0 h 5074527"/>
-              <a:gd name="connsiteX7" fmla="*/ 1475684 w 4968397"/>
-              <a:gd name="connsiteY7" fmla="*/ 0 h 5074527"/>
-            </a:gdLst>
-            <a:ahLst/>
-            <a:cxnLst>
-              <a:cxn ang="0">
-                <a:pos x="connsiteX0" y="connsiteY0"/>
-              </a:cxn>
-              <a:cxn ang="0">
-                <a:pos x="connsiteX1" y="connsiteY1"/>
-              </a:cxn>
-              <a:cxn ang="0">
-                <a:pos x="connsiteX2" y="connsiteY2"/>
-              </a:cxn>
-              <a:cxn ang="0">
-                <a:pos x="connsiteX3" y="connsiteY3"/>
-              </a:cxn>
-              <a:cxn ang="0">
-                <a:pos x="connsiteX4" y="connsiteY4"/>
-              </a:cxn>
-              <a:cxn ang="0">
-                <a:pos x="connsiteX5" y="connsiteY5"/>
-              </a:cxn>
-              <a:cxn ang="0">
-                <a:pos x="connsiteX6" y="connsiteY6"/>
-              </a:cxn>
-              <a:cxn ang="0">
-                <a:pos x="connsiteX7" y="connsiteY7"/>
-              </a:cxn>
-            </a:cxnLst>
-            <a:rect l="l" t="t" r="r" b="b"/>
-            <a:pathLst>
-              <a:path w="4968397" h="5074527">
-                <a:moveTo>
-                  <a:pt x="4968397" y="3625853"/>
-                </a:moveTo>
-                <a:cubicBezTo>
-                  <a:pt x="4656448" y="4032438"/>
-                  <a:pt x="4344499" y="4439024"/>
-                  <a:pt x="3815300" y="4678520"/>
-                </a:cubicBezTo>
-                <a:cubicBezTo>
-                  <a:pt x="3286101" y="4918016"/>
-                  <a:pt x="2361395" y="5126878"/>
-                  <a:pt x="1793203" y="5062827"/>
-                </a:cubicBezTo>
-                <a:cubicBezTo>
-                  <a:pt x="1225011" y="4998776"/>
-                  <a:pt x="704168" y="4709153"/>
-                  <a:pt x="406145" y="4294213"/>
-                </a:cubicBezTo>
-                <a:cubicBezTo>
-                  <a:pt x="108122" y="3879273"/>
-                  <a:pt x="27350" y="3202558"/>
-                  <a:pt x="5068" y="2573186"/>
-                </a:cubicBezTo>
-                <a:cubicBezTo>
-                  <a:pt x="-17214" y="1943814"/>
-                  <a:pt x="27350" y="946843"/>
-                  <a:pt x="272453" y="517979"/>
-                </a:cubicBezTo>
-                <a:cubicBezTo>
-                  <a:pt x="517556" y="89115"/>
-                  <a:pt x="1475684" y="0"/>
-                  <a:pt x="1475684" y="0"/>
-                </a:cubicBezTo>
-                <a:lnTo>
-                  <a:pt x="1475684" y="0"/>
-                </a:lnTo>
-              </a:path>
-            </a:pathLst>
-          </a:custGeom>
-          <a:ln w="38100" cmpd="sng">
+            <a:ln>
+              <a:solidFill>
+                <a:srgbClr val="FF0000"/>
+              </a:solidFill>
+            </a:ln>
+          </p:spPr>
+          <p:style>
+            <a:lnRef idx="1">
+              <a:schemeClr val="accent1"/>
+            </a:lnRef>
+            <a:fillRef idx="3">
+              <a:schemeClr val="accent1"/>
+            </a:fillRef>
+            <a:effectRef idx="2">
+              <a:schemeClr val="accent1"/>
+            </a:effectRef>
+            <a:fontRef idx="minor">
+              <a:schemeClr val="lt1"/>
+            </a:fontRef>
+          </p:style>
+          <p:txBody>
+            <a:bodyPr rtlCol="0" anchor="ctr"/>
+            <a:lstStyle/>
+            <a:p>
+              <a:pPr algn="ctr"/>
+              <a:endParaRPr lang="en-US"/>
+            </a:p>
+          </p:txBody>
+        </p:sp>
+        <p:sp>
+          <p:nvSpPr>
+            <p:cNvPr id="55" name="Striped Right Arrow 54"/>
+            <p:cNvSpPr/>
+            <p:nvPr/>
+          </p:nvSpPr>
+          <p:spPr>
+            <a:xfrm rot="3151392">
+              <a:off x="3912262" y="2587623"/>
+              <a:ext cx="985185" cy="576171"/>
+            </a:xfrm>
+            <a:prstGeom prst="stripedRightArrow">
+              <a:avLst/>
+            </a:prstGeom>
             <a:solidFill>
               <a:schemeClr val="tx1"/>
             </a:solidFill>
-            <a:headEnd type="none"/>
-            <a:tailEnd type="arrow"/>
-          </a:ln>
-        </p:spPr>
-        <p:style>
-          <a:lnRef idx="2">
-            <a:schemeClr val="accent1"/>
-          </a:lnRef>
-          <a:fillRef idx="0">
-            <a:schemeClr val="accent1"/>
-          </a:fillRef>
-          <a:effectRef idx="1">
-            <a:schemeClr val="accent1"/>
-          </a:effectRef>
-          <a:fontRef idx="minor">
-            <a:schemeClr val="tx1"/>
-          </a:fontRef>
-        </p:style>
-        <p:txBody>
-          <a:bodyPr rtlCol="0" anchor="ctr"/>
-          <a:lstStyle/>
-          <a:p>
-            <a:pPr algn="ctr"/>
-            <a:endParaRPr lang="en-US"/>
-          </a:p>
-        </p:txBody>
-      </p:sp>
-      <p:sp>
-        <p:nvSpPr>
-          <p:cNvPr id="57" name="TextBox 56"/>
-          <p:cNvSpPr txBox="1"/>
-          <p:nvPr/>
-        </p:nvSpPr>
-        <p:spPr>
-          <a:xfrm>
-            <a:off x="4204493" y="5865854"/>
-            <a:ext cx="2216082" cy="646331"/>
-          </a:xfrm>
-          <a:prstGeom prst="rect">
-            <a:avLst/>
-          </a:prstGeom>
-          <a:noFill/>
-          <a:ln>
+            <a:ln>
+              <a:solidFill>
+                <a:schemeClr val="bg1"/>
+              </a:solidFill>
+            </a:ln>
+            <a:effectLst/>
+          </p:spPr>
+          <p:style>
+            <a:lnRef idx="1">
+              <a:schemeClr val="accent1"/>
+            </a:lnRef>
+            <a:fillRef idx="3">
+              <a:schemeClr val="accent1"/>
+            </a:fillRef>
+            <a:effectRef idx="2">
+              <a:schemeClr val="accent1"/>
+            </a:effectRef>
+            <a:fontRef idx="minor">
+              <a:schemeClr val="lt1"/>
+            </a:fontRef>
+          </p:style>
+          <p:txBody>
+            <a:bodyPr rtlCol="0" anchor="ctr"/>
+            <a:lstStyle/>
+            <a:p>
+              <a:pPr algn="ctr"/>
+              <a:endParaRPr lang="en-US"/>
+            </a:p>
+          </p:txBody>
+        </p:sp>
+        <p:sp>
+          <p:nvSpPr>
+            <p:cNvPr id="56" name="Freeform 55"/>
+            <p:cNvSpPr/>
+            <p:nvPr/>
+          </p:nvSpPr>
+          <p:spPr>
+            <a:xfrm>
+              <a:off x="145336" y="1453683"/>
+              <a:ext cx="4968397" cy="5074527"/>
+            </a:xfrm>
+            <a:custGeom>
+              <a:avLst/>
+              <a:gdLst>
+                <a:gd name="connsiteX0" fmla="*/ 4968397 w 4968397"/>
+                <a:gd name="connsiteY0" fmla="*/ 3625853 h 5074527"/>
+                <a:gd name="connsiteX1" fmla="*/ 3815300 w 4968397"/>
+                <a:gd name="connsiteY1" fmla="*/ 4678520 h 5074527"/>
+                <a:gd name="connsiteX2" fmla="*/ 1793203 w 4968397"/>
+                <a:gd name="connsiteY2" fmla="*/ 5062827 h 5074527"/>
+                <a:gd name="connsiteX3" fmla="*/ 406145 w 4968397"/>
+                <a:gd name="connsiteY3" fmla="*/ 4294213 h 5074527"/>
+                <a:gd name="connsiteX4" fmla="*/ 5068 w 4968397"/>
+                <a:gd name="connsiteY4" fmla="*/ 2573186 h 5074527"/>
+                <a:gd name="connsiteX5" fmla="*/ 272453 w 4968397"/>
+                <a:gd name="connsiteY5" fmla="*/ 517979 h 5074527"/>
+                <a:gd name="connsiteX6" fmla="*/ 1475684 w 4968397"/>
+                <a:gd name="connsiteY6" fmla="*/ 0 h 5074527"/>
+                <a:gd name="connsiteX7" fmla="*/ 1475684 w 4968397"/>
+                <a:gd name="connsiteY7" fmla="*/ 0 h 5074527"/>
+              </a:gdLst>
+              <a:ahLst/>
+              <a:cxnLst>
+                <a:cxn ang="0">
+                  <a:pos x="connsiteX0" y="connsiteY0"/>
+                </a:cxn>
+                <a:cxn ang="0">
+                  <a:pos x="connsiteX1" y="connsiteY1"/>
+                </a:cxn>
+                <a:cxn ang="0">
+                  <a:pos x="connsiteX2" y="connsiteY2"/>
+                </a:cxn>
+                <a:cxn ang="0">
+                  <a:pos x="connsiteX3" y="connsiteY3"/>
+                </a:cxn>
+                <a:cxn ang="0">
+                  <a:pos x="connsiteX4" y="connsiteY4"/>
+                </a:cxn>
+                <a:cxn ang="0">
+                  <a:pos x="connsiteX5" y="connsiteY5"/>
+                </a:cxn>
+                <a:cxn ang="0">
+                  <a:pos x="connsiteX6" y="connsiteY6"/>
+                </a:cxn>
+                <a:cxn ang="0">
+                  <a:pos x="connsiteX7" y="connsiteY7"/>
+                </a:cxn>
+              </a:cxnLst>
+              <a:rect l="l" t="t" r="r" b="b"/>
+              <a:pathLst>
+                <a:path w="4968397" h="5074527">
+                  <a:moveTo>
+                    <a:pt x="4968397" y="3625853"/>
+                  </a:moveTo>
+                  <a:cubicBezTo>
+                    <a:pt x="4656448" y="4032438"/>
+                    <a:pt x="4344499" y="4439024"/>
+                    <a:pt x="3815300" y="4678520"/>
+                  </a:cubicBezTo>
+                  <a:cubicBezTo>
+                    <a:pt x="3286101" y="4918016"/>
+                    <a:pt x="2361395" y="5126878"/>
+                    <a:pt x="1793203" y="5062827"/>
+                  </a:cubicBezTo>
+                  <a:cubicBezTo>
+                    <a:pt x="1225011" y="4998776"/>
+                    <a:pt x="704168" y="4709153"/>
+                    <a:pt x="406145" y="4294213"/>
+                  </a:cubicBezTo>
+                  <a:cubicBezTo>
+                    <a:pt x="108122" y="3879273"/>
+                    <a:pt x="27350" y="3202558"/>
+                    <a:pt x="5068" y="2573186"/>
+                  </a:cubicBezTo>
+                  <a:cubicBezTo>
+                    <a:pt x="-17214" y="1943814"/>
+                    <a:pt x="27350" y="946843"/>
+                    <a:pt x="272453" y="517979"/>
+                  </a:cubicBezTo>
+                  <a:cubicBezTo>
+                    <a:pt x="517556" y="89115"/>
+                    <a:pt x="1475684" y="0"/>
+                    <a:pt x="1475684" y="0"/>
+                  </a:cubicBezTo>
+                  <a:lnTo>
+                    <a:pt x="1475684" y="0"/>
+                  </a:lnTo>
+                </a:path>
+              </a:pathLst>
+            </a:custGeom>
+            <a:ln w="38100" cmpd="sng">
+              <a:solidFill>
+                <a:schemeClr val="tx1"/>
+              </a:solidFill>
+              <a:headEnd type="none"/>
+              <a:tailEnd type="arrow"/>
+            </a:ln>
+          </p:spPr>
+          <p:style>
+            <a:lnRef idx="2">
+              <a:schemeClr val="accent1"/>
+            </a:lnRef>
+            <a:fillRef idx="0">
+              <a:schemeClr val="accent1"/>
+            </a:fillRef>
+            <a:effectRef idx="1">
+              <a:schemeClr val="accent1"/>
+            </a:effectRef>
+            <a:fontRef idx="minor">
+              <a:schemeClr val="tx1"/>
+            </a:fontRef>
+          </p:style>
+          <p:txBody>
+            <a:bodyPr rtlCol="0" anchor="ctr"/>
+            <a:lstStyle/>
+            <a:p>
+              <a:pPr algn="ctr"/>
+              <a:endParaRPr lang="en-US"/>
+            </a:p>
+          </p:txBody>
+        </p:sp>
+        <p:sp>
+          <p:nvSpPr>
+            <p:cNvPr id="57" name="TextBox 56"/>
+            <p:cNvSpPr txBox="1"/>
+            <p:nvPr/>
+          </p:nvSpPr>
+          <p:spPr>
+            <a:xfrm>
+              <a:off x="4204493" y="5865854"/>
+              <a:ext cx="1831644" cy="461665"/>
+            </a:xfrm>
+            <a:prstGeom prst="rect">
+              <a:avLst/>
+            </a:prstGeom>
             <a:noFill/>
-          </a:ln>
-        </p:spPr>
-        <p:txBody>
-          <a:bodyPr wrap="square" rtlCol="0">
-            <a:spAutoFit/>
-          </a:bodyPr>
-          <a:lstStyle/>
-          <a:p>
-            <a:pPr algn="ctr"/>
-            <a:r>
-              <a:rPr lang="en-US" dirty="0" smtClean="0"/>
-              <a:t>Species densities feed back into ODEs</a:t>
-            </a:r>
-            <a:endParaRPr lang="en-US" dirty="0"/>
-          </a:p>
-        </p:txBody>
-      </p:sp>
+            <a:ln>
+              <a:noFill/>
+            </a:ln>
+          </p:spPr>
+          <p:txBody>
+            <a:bodyPr wrap="square" rtlCol="0">
+              <a:spAutoFit/>
+            </a:bodyPr>
+            <a:lstStyle/>
+            <a:p>
+              <a:pPr algn="ctr"/>
+              <a:r>
+                <a:rPr lang="en-US" sz="1200" dirty="0" smtClean="0"/>
+                <a:t>Species densities feed back into ODEs</a:t>
+              </a:r>
+              <a:endParaRPr lang="en-US" sz="1200" dirty="0"/>
+            </a:p>
+          </p:txBody>
+        </p:sp>
+      </p:grpSp>
     </p:spTree>
     <p:extLst>
       <p:ext uri="{BB962C8B-B14F-4D97-AF65-F5344CB8AC3E}">
